--- a/汇报ppt/模板.pptx
+++ b/汇报ppt/模板.pptx
@@ -5,18 +5,19 @@
     <p:sldMasterId id="2147483648" r:id="rId1"/>
   </p:sldMasterIdLst>
   <p:notesMasterIdLst>
-    <p:notesMasterId r:id="rId3"/>
+    <p:notesMasterId r:id="rId5"/>
   </p:notesMasterIdLst>
   <p:handoutMasterIdLst>
-    <p:handoutMasterId r:id="rId4"/>
+    <p:handoutMasterId r:id="rId6"/>
   </p:handoutMasterIdLst>
   <p:sldIdLst>
-    <p:sldId id="256" r:id="rId2"/>
+    <p:sldId id="257" r:id="rId3"/>
+    <p:sldId id="258" r:id="rId4"/>
   </p:sldIdLst>
   <p:sldSz cx="9144000" cy="6480175"/>
   <p:notesSz cx="6858000" cy="9144000"/>
   <p:custDataLst>
-    <p:tags r:id="rId5"/>
+    <p:tags r:id="rId10"/>
   </p:custDataLst>
   <p:defaultTextStyle>
     <a:defPPr>
@@ -148,38 +149,25 @@
       <p14:sectionLst xmlns:p14="http://schemas.microsoft.com/office/powerpoint/2010/main">
         <p14:section name="默认节" id="{2BD71F7D-4739-4CC6-B254-FDE89F1430B2}">
           <p14:sldIdLst>
-            <p14:sldId id="256"/>
+            <p14:sldId id="257"/>
+            <p14:sldId id="258"/>
           </p14:sldIdLst>
         </p14:section>
       </p14:sectionLst>
     </p:ext>
     <p:ext uri="{EFAFB233-063F-42B5-8137-9DF3F51BA10A}">
       <p15:sldGuideLst xmlns:p15="http://schemas.microsoft.com/office/powerpoint/2012/main">
-        <p15:guide id="1" orient="horz" pos="2041">
+        <p15:guide id="1" orient="horz" pos="2041" userDrawn="1">
           <p15:clr>
             <a:srgbClr val="A4A3A4"/>
           </p15:clr>
         </p15:guide>
-        <p15:guide id="2" pos="2880">
+        <p15:guide id="2" pos="2880" userDrawn="1">
           <p15:clr>
             <a:srgbClr val="A4A3A4"/>
           </p15:clr>
         </p15:guide>
       </p15:sldGuideLst>
-    </p:ext>
-    <p:ext uri="{2D200454-40CA-4A62-9FC3-DE9A4176ACB9}">
-      <p15:notesGuideLst xmlns:p15="http://schemas.microsoft.com/office/powerpoint/2012/main">
-        <p15:guide id="1" orient="horz" pos="2879">
-          <p15:clr>
-            <a:srgbClr val="A4A3A4"/>
-          </p15:clr>
-        </p15:guide>
-        <p15:guide id="2" pos="2160">
-          <p15:clr>
-            <a:srgbClr val="A4A3A4"/>
-          </p15:clr>
-        </p15:guide>
-      </p15:notesGuideLst>
     </p:ext>
   </p:extLst>
 </p:presentation>
@@ -368,18 +356,12 @@
             </a:pPr>
             <a:fld id="{6957E426-08DB-4738-BC37-5E7E51F1C0E3}" type="slidenum">
               <a:rPr lang="zh-CN" altLang="en-US"/>
-              <a:t>‹#›</a:t>
             </a:fld>
             <a:endParaRPr lang="en-US" altLang="zh-CN"/>
           </a:p>
         </p:txBody>
       </p:sp>
     </p:spTree>
-    <p:extLst>
-      <p:ext uri="{BB962C8B-B14F-4D97-AF65-F5344CB8AC3E}">
-        <p14:creationId xmlns:p14="http://schemas.microsoft.com/office/powerpoint/2010/main" val="1"/>
-      </p:ext>
-    </p:extLst>
   </p:cSld>
   <p:clrMap bg1="lt1" tx1="dk1" bg2="lt2" tx2="dk2" accent1="accent1" accent2="accent2" accent3="accent3" accent4="accent4" accent5="accent5" accent6="accent6" hlink="hlink" folHlink="folHlink"/>
 </p:handoutMaster>
@@ -473,7 +455,6 @@
             </a:pPr>
             <a:fld id="{A4A87A2F-0367-4D57-A296-FB3D92AC1C26}" type="datetimeFigureOut">
               <a:rPr lang="zh-CN" altLang="en-US"/>
-              <a:t>2023/7/9</a:t>
             </a:fld>
             <a:endParaRPr lang="zh-CN" altLang="en-US"/>
           </a:p>
@@ -541,6 +522,7 @@
               <a:rPr lang="zh-CN" altLang="en-US"/>
               <a:t>单击此处编辑母版文本样式</a:t>
             </a:r>
+            <a:endParaRPr lang="zh-CN" altLang="en-US"/>
           </a:p>
           <a:p>
             <a:pPr lvl="1"/>
@@ -548,6 +530,7 @@
               <a:rPr lang="zh-CN" altLang="en-US"/>
               <a:t>第二级</a:t>
             </a:r>
+            <a:endParaRPr lang="zh-CN" altLang="en-US"/>
           </a:p>
           <a:p>
             <a:pPr lvl="2"/>
@@ -555,6 +538,7 @@
               <a:rPr lang="zh-CN" altLang="en-US"/>
               <a:t>第三级</a:t>
             </a:r>
+            <a:endParaRPr lang="zh-CN" altLang="en-US"/>
           </a:p>
           <a:p>
             <a:pPr lvl="3"/>
@@ -562,6 +546,7 @@
               <a:rPr lang="zh-CN" altLang="en-US"/>
               <a:t>第四级</a:t>
             </a:r>
+            <a:endParaRPr lang="zh-CN" altLang="en-US"/>
           </a:p>
           <a:p>
             <a:pPr lvl="4"/>
@@ -569,6 +554,7 @@
               <a:rPr lang="zh-CN" altLang="en-US"/>
               <a:t>第五级</a:t>
             </a:r>
+            <a:endParaRPr lang="zh-CN" altLang="en-US"/>
           </a:p>
         </p:txBody>
       </p:sp>
@@ -638,7 +624,6 @@
             </a:pPr>
             <a:fld id="{6EDFB185-BBCA-4686-817D-AAD3440AF8A4}" type="slidenum">
               <a:rPr lang="zh-CN" altLang="en-US"/>
-              <a:t>‹#›</a:t>
             </a:fld>
             <a:endParaRPr lang="zh-CN" altLang="en-US"/>
           </a:p>
@@ -772,62 +757,6 @@
 </p:notesMaster>
 </file>
 
-<file path=ppt/notesSlides/notesSlide1.xml><?xml version="1.0" encoding="utf-8"?>
-<p:notes xmlns:a="http://schemas.openxmlformats.org/drawingml/2006/main" xmlns:r="http://schemas.openxmlformats.org/officeDocument/2006/relationships" xmlns:p="http://schemas.openxmlformats.org/presentationml/2006/main">
-  <p:cSld>
-    <p:spTree>
-      <p:nvGrpSpPr>
-        <p:cNvPr id="1" name=""/>
-        <p:cNvGrpSpPr/>
-        <p:nvPr/>
-      </p:nvGrpSpPr>
-      <p:grpSpPr>
-        <a:xfrm>
-          <a:off x="0" y="0"/>
-          <a:ext cx="0" cy="0"/>
-          <a:chOff x="0" y="0"/>
-          <a:chExt cx="0" cy="0"/>
-        </a:xfrm>
-      </p:grpSpPr>
-      <p:sp>
-        <p:nvSpPr>
-          <p:cNvPr id="2" name="幻灯片图像占位符 1"/>
-          <p:cNvSpPr>
-            <a:spLocks noGrp="1" noRot="1" noChangeAspect="1"/>
-          </p:cNvSpPr>
-          <p:nvPr>
-            <p:ph type="sldImg" idx="2"/>
-          </p:nvPr>
-        </p:nvSpPr>
-        <p:spPr/>
-      </p:sp>
-      <p:sp>
-        <p:nvSpPr>
-          <p:cNvPr id="3" name="文本占位符 2"/>
-          <p:cNvSpPr>
-            <a:spLocks noGrp="1"/>
-          </p:cNvSpPr>
-          <p:nvPr>
-            <p:ph type="body" idx="3"/>
-          </p:nvPr>
-        </p:nvSpPr>
-        <p:spPr/>
-        <p:txBody>
-          <a:bodyPr/>
-          <a:lstStyle/>
-          <a:p>
-            <a:endParaRPr lang="zh-CN" altLang="en-US"/>
-          </a:p>
-        </p:txBody>
-      </p:sp>
-    </p:spTree>
-  </p:cSld>
-  <p:clrMapOvr>
-    <a:masterClrMapping/>
-  </p:clrMapOvr>
-</p:notes>
-</file>
-
 <file path=ppt/slideLayouts/slideLayout1.xml><?xml version="1.0" encoding="utf-8"?>
 <p:sldLayout xmlns:a="http://schemas.openxmlformats.org/drawingml/2006/main" xmlns:r="http://schemas.openxmlformats.org/officeDocument/2006/relationships" xmlns:p="http://schemas.openxmlformats.org/presentationml/2006/main" type="title" preserve="1">
   <p:cSld name="标题幻灯片">
@@ -869,6 +798,7 @@
               <a:rPr lang="zh-CN" altLang="en-US" dirty="0"/>
               <a:t>单击此处编辑母版标题样式</a:t>
             </a:r>
+            <a:endParaRPr lang="zh-CN" altLang="en-US" dirty="0"/>
           </a:p>
         </p:txBody>
       </p:sp>
@@ -933,6 +863,7 @@
               <a:rPr lang="zh-CN" altLang="en-US" dirty="0"/>
               <a:t>单击此处编辑母版副标题样式</a:t>
             </a:r>
+            <a:endParaRPr lang="zh-CN" altLang="en-US" dirty="0"/>
           </a:p>
         </p:txBody>
       </p:sp>
@@ -1012,7 +943,6 @@
             </a:pPr>
             <a:fld id="{05366F7E-050D-4B1B-A3DC-70F51CAC6098}" type="slidenum">
               <a:rPr lang="zh-CN" altLang="en-US"/>
-              <a:t>‹#›</a:t>
             </a:fld>
             <a:endParaRPr lang="en-US" altLang="zh-CN"/>
           </a:p>
@@ -1062,6 +992,7 @@
               <a:rPr lang="zh-CN" altLang="en-US"/>
               <a:t>单击此处编辑母版标题样式</a:t>
             </a:r>
+            <a:endParaRPr lang="zh-CN" altLang="en-US"/>
           </a:p>
         </p:txBody>
       </p:sp>
@@ -1085,6 +1016,7 @@
               <a:rPr lang="zh-CN" altLang="en-US"/>
               <a:t>单击此处编辑母版文本样式</a:t>
             </a:r>
+            <a:endParaRPr lang="zh-CN" altLang="en-US"/>
           </a:p>
           <a:p>
             <a:pPr lvl="1"/>
@@ -1092,6 +1024,7 @@
               <a:rPr lang="zh-CN" altLang="en-US"/>
               <a:t>第二级</a:t>
             </a:r>
+            <a:endParaRPr lang="zh-CN" altLang="en-US"/>
           </a:p>
           <a:p>
             <a:pPr lvl="2"/>
@@ -1099,6 +1032,7 @@
               <a:rPr lang="zh-CN" altLang="en-US"/>
               <a:t>第三级</a:t>
             </a:r>
+            <a:endParaRPr lang="zh-CN" altLang="en-US"/>
           </a:p>
           <a:p>
             <a:pPr lvl="3"/>
@@ -1106,6 +1040,7 @@
               <a:rPr lang="zh-CN" altLang="en-US"/>
               <a:t>第四级</a:t>
             </a:r>
+            <a:endParaRPr lang="zh-CN" altLang="en-US"/>
           </a:p>
           <a:p>
             <a:pPr lvl="4"/>
@@ -1113,6 +1048,7 @@
               <a:rPr lang="zh-CN" altLang="en-US"/>
               <a:t>第五级</a:t>
             </a:r>
+            <a:endParaRPr lang="zh-CN" altLang="en-US"/>
           </a:p>
         </p:txBody>
       </p:sp>
@@ -1192,7 +1128,6 @@
             </a:pPr>
             <a:fld id="{4C79449B-4D08-427A-AE53-4E83D1C27A38}" type="slidenum">
               <a:rPr lang="zh-CN" altLang="en-US"/>
-              <a:t>‹#›</a:t>
             </a:fld>
             <a:endParaRPr lang="en-US" altLang="zh-CN"/>
           </a:p>
@@ -1247,6 +1182,7 @@
               <a:rPr lang="zh-CN" altLang="en-US"/>
               <a:t>单击此处编辑母版标题样式</a:t>
             </a:r>
+            <a:endParaRPr lang="zh-CN" altLang="en-US"/>
           </a:p>
         </p:txBody>
       </p:sp>
@@ -1275,6 +1211,7 @@
               <a:rPr lang="zh-CN" altLang="en-US"/>
               <a:t>单击此处编辑母版文本样式</a:t>
             </a:r>
+            <a:endParaRPr lang="zh-CN" altLang="en-US"/>
           </a:p>
           <a:p>
             <a:pPr lvl="1"/>
@@ -1282,6 +1219,7 @@
               <a:rPr lang="zh-CN" altLang="en-US"/>
               <a:t>第二级</a:t>
             </a:r>
+            <a:endParaRPr lang="zh-CN" altLang="en-US"/>
           </a:p>
           <a:p>
             <a:pPr lvl="2"/>
@@ -1289,6 +1227,7 @@
               <a:rPr lang="zh-CN" altLang="en-US"/>
               <a:t>第三级</a:t>
             </a:r>
+            <a:endParaRPr lang="zh-CN" altLang="en-US"/>
           </a:p>
           <a:p>
             <a:pPr lvl="3"/>
@@ -1296,6 +1235,7 @@
               <a:rPr lang="zh-CN" altLang="en-US"/>
               <a:t>第四级</a:t>
             </a:r>
+            <a:endParaRPr lang="zh-CN" altLang="en-US"/>
           </a:p>
           <a:p>
             <a:pPr lvl="4"/>
@@ -1303,6 +1243,7 @@
               <a:rPr lang="zh-CN" altLang="en-US"/>
               <a:t>第五级</a:t>
             </a:r>
+            <a:endParaRPr lang="zh-CN" altLang="en-US"/>
           </a:p>
         </p:txBody>
       </p:sp>
@@ -1382,7 +1323,6 @@
             </a:pPr>
             <a:fld id="{5BBAF6BE-F138-4389-929D-ED5AC8DDA4A4}" type="slidenum">
               <a:rPr lang="zh-CN" altLang="en-US"/>
-              <a:t>‹#›</a:t>
             </a:fld>
             <a:endParaRPr lang="en-US" altLang="zh-CN"/>
           </a:p>
@@ -1455,6 +1395,7 @@
               <a:rPr lang="zh-CN" altLang="en-US" dirty="0"/>
               <a:t>单击此处编辑母版标题样式</a:t>
             </a:r>
+            <a:endParaRPr lang="zh-CN" altLang="en-US" dirty="0"/>
           </a:p>
         </p:txBody>
       </p:sp>
@@ -1518,6 +1459,7 @@
               <a:rPr lang="zh-CN" altLang="en-US" dirty="0"/>
               <a:t>单击此处编辑母版文本样式</a:t>
             </a:r>
+            <a:endParaRPr lang="zh-CN" altLang="en-US" dirty="0"/>
           </a:p>
           <a:p>
             <a:pPr lvl="1"/>
@@ -1525,6 +1467,7 @@
               <a:rPr lang="zh-CN" altLang="en-US" dirty="0"/>
               <a:t>第二级</a:t>
             </a:r>
+            <a:endParaRPr lang="zh-CN" altLang="en-US" dirty="0"/>
           </a:p>
           <a:p>
             <a:pPr lvl="2"/>
@@ -1532,6 +1475,7 @@
               <a:rPr lang="zh-CN" altLang="en-US" dirty="0"/>
               <a:t>第三级</a:t>
             </a:r>
+            <a:endParaRPr lang="zh-CN" altLang="en-US" dirty="0"/>
           </a:p>
           <a:p>
             <a:pPr lvl="3"/>
@@ -1539,6 +1483,7 @@
               <a:rPr lang="zh-CN" altLang="en-US" dirty="0"/>
               <a:t>第四级</a:t>
             </a:r>
+            <a:endParaRPr lang="zh-CN" altLang="en-US" dirty="0"/>
           </a:p>
           <a:p>
             <a:pPr lvl="4"/>
@@ -1546,6 +1491,7 @@
               <a:rPr lang="zh-CN" altLang="en-US" dirty="0"/>
               <a:t>第五级</a:t>
             </a:r>
+            <a:endParaRPr lang="zh-CN" altLang="en-US" dirty="0"/>
           </a:p>
         </p:txBody>
       </p:sp>
@@ -1625,7 +1571,6 @@
             </a:pPr>
             <a:fld id="{A3C2F15E-1E0F-4B8F-B22B-246E9DFA7923}" type="slidenum">
               <a:rPr lang="zh-CN" altLang="en-US"/>
-              <a:t>‹#›</a:t>
             </a:fld>
             <a:endParaRPr lang="en-US" altLang="zh-CN"/>
           </a:p>
@@ -1684,6 +1629,7 @@
               <a:rPr lang="zh-CN" altLang="en-US"/>
               <a:t>单击此处编辑母版标题样式</a:t>
             </a:r>
+            <a:endParaRPr lang="zh-CN" altLang="en-US"/>
           </a:p>
         </p:txBody>
       </p:sp>
@@ -1749,6 +1695,7 @@
               <a:rPr lang="zh-CN" altLang="en-US"/>
               <a:t>单击此处编辑母版文本样式</a:t>
             </a:r>
+            <a:endParaRPr lang="zh-CN" altLang="en-US"/>
           </a:p>
         </p:txBody>
       </p:sp>
@@ -1828,7 +1775,6 @@
             </a:pPr>
             <a:fld id="{F7D38258-B694-4902-86D7-605BACED7C9C}" type="slidenum">
               <a:rPr lang="zh-CN" altLang="en-US"/>
-              <a:t>‹#›</a:t>
             </a:fld>
             <a:endParaRPr lang="en-US" altLang="zh-CN"/>
           </a:p>
@@ -1878,6 +1824,7 @@
               <a:rPr lang="zh-CN" altLang="en-US"/>
               <a:t>单击此处编辑母版标题样式</a:t>
             </a:r>
+            <a:endParaRPr lang="zh-CN" altLang="en-US"/>
           </a:p>
         </p:txBody>
       </p:sp>
@@ -1934,6 +1881,7 @@
               <a:rPr lang="zh-CN" altLang="en-US"/>
               <a:t>单击此处编辑母版文本样式</a:t>
             </a:r>
+            <a:endParaRPr lang="zh-CN" altLang="en-US"/>
           </a:p>
           <a:p>
             <a:pPr lvl="1"/>
@@ -1941,6 +1889,7 @@
               <a:rPr lang="zh-CN" altLang="en-US"/>
               <a:t>第二级</a:t>
             </a:r>
+            <a:endParaRPr lang="zh-CN" altLang="en-US"/>
           </a:p>
           <a:p>
             <a:pPr lvl="2"/>
@@ -1948,6 +1897,7 @@
               <a:rPr lang="zh-CN" altLang="en-US"/>
               <a:t>第三级</a:t>
             </a:r>
+            <a:endParaRPr lang="zh-CN" altLang="en-US"/>
           </a:p>
           <a:p>
             <a:pPr lvl="3"/>
@@ -1955,6 +1905,7 @@
               <a:rPr lang="zh-CN" altLang="en-US"/>
               <a:t>第四级</a:t>
             </a:r>
+            <a:endParaRPr lang="zh-CN" altLang="en-US"/>
           </a:p>
           <a:p>
             <a:pPr lvl="4"/>
@@ -1962,6 +1913,7 @@
               <a:rPr lang="zh-CN" altLang="en-US"/>
               <a:t>第五级</a:t>
             </a:r>
+            <a:endParaRPr lang="zh-CN" altLang="en-US"/>
           </a:p>
         </p:txBody>
       </p:sp>
@@ -2018,6 +1970,7 @@
               <a:rPr lang="zh-CN" altLang="en-US"/>
               <a:t>单击此处编辑母版文本样式</a:t>
             </a:r>
+            <a:endParaRPr lang="zh-CN" altLang="en-US"/>
           </a:p>
           <a:p>
             <a:pPr lvl="1"/>
@@ -2025,6 +1978,7 @@
               <a:rPr lang="zh-CN" altLang="en-US"/>
               <a:t>第二级</a:t>
             </a:r>
+            <a:endParaRPr lang="zh-CN" altLang="en-US"/>
           </a:p>
           <a:p>
             <a:pPr lvl="2"/>
@@ -2032,6 +1986,7 @@
               <a:rPr lang="zh-CN" altLang="en-US"/>
               <a:t>第三级</a:t>
             </a:r>
+            <a:endParaRPr lang="zh-CN" altLang="en-US"/>
           </a:p>
           <a:p>
             <a:pPr lvl="3"/>
@@ -2039,6 +1994,7 @@
               <a:rPr lang="zh-CN" altLang="en-US"/>
               <a:t>第四级</a:t>
             </a:r>
+            <a:endParaRPr lang="zh-CN" altLang="en-US"/>
           </a:p>
           <a:p>
             <a:pPr lvl="4"/>
@@ -2046,6 +2002,7 @@
               <a:rPr lang="zh-CN" altLang="en-US"/>
               <a:t>第五级</a:t>
             </a:r>
+            <a:endParaRPr lang="zh-CN" altLang="en-US"/>
           </a:p>
         </p:txBody>
       </p:sp>
@@ -2125,7 +2082,6 @@
             </a:pPr>
             <a:fld id="{DF85721D-6DA6-4601-A2DE-4F25886BA762}" type="slidenum">
               <a:rPr lang="zh-CN" altLang="en-US"/>
-              <a:t>‹#›</a:t>
             </a:fld>
             <a:endParaRPr lang="en-US" altLang="zh-CN"/>
           </a:p>
@@ -2184,6 +2140,7 @@
               <a:rPr lang="zh-CN" altLang="en-US"/>
               <a:t>单击此处编辑母版标题样式</a:t>
             </a:r>
+            <a:endParaRPr lang="zh-CN" altLang="en-US"/>
           </a:p>
         </p:txBody>
       </p:sp>
@@ -2249,6 +2206,7 @@
               <a:rPr lang="zh-CN" altLang="en-US"/>
               <a:t>单击此处编辑母版文本样式</a:t>
             </a:r>
+            <a:endParaRPr lang="zh-CN" altLang="en-US"/>
           </a:p>
         </p:txBody>
       </p:sp>
@@ -2305,6 +2263,7 @@
               <a:rPr lang="zh-CN" altLang="en-US"/>
               <a:t>单击此处编辑母版文本样式</a:t>
             </a:r>
+            <a:endParaRPr lang="zh-CN" altLang="en-US"/>
           </a:p>
           <a:p>
             <a:pPr lvl="1"/>
@@ -2312,6 +2271,7 @@
               <a:rPr lang="zh-CN" altLang="en-US"/>
               <a:t>第二级</a:t>
             </a:r>
+            <a:endParaRPr lang="zh-CN" altLang="en-US"/>
           </a:p>
           <a:p>
             <a:pPr lvl="2"/>
@@ -2319,6 +2279,7 @@
               <a:rPr lang="zh-CN" altLang="en-US"/>
               <a:t>第三级</a:t>
             </a:r>
+            <a:endParaRPr lang="zh-CN" altLang="en-US"/>
           </a:p>
           <a:p>
             <a:pPr lvl="3"/>
@@ -2326,6 +2287,7 @@
               <a:rPr lang="zh-CN" altLang="en-US"/>
               <a:t>第四级</a:t>
             </a:r>
+            <a:endParaRPr lang="zh-CN" altLang="en-US"/>
           </a:p>
           <a:p>
             <a:pPr lvl="4"/>
@@ -2333,6 +2295,7 @@
               <a:rPr lang="zh-CN" altLang="en-US"/>
               <a:t>第五级</a:t>
             </a:r>
+            <a:endParaRPr lang="zh-CN" altLang="en-US"/>
           </a:p>
         </p:txBody>
       </p:sp>
@@ -2398,6 +2361,7 @@
               <a:rPr lang="zh-CN" altLang="en-US"/>
               <a:t>单击此处编辑母版文本样式</a:t>
             </a:r>
+            <a:endParaRPr lang="zh-CN" altLang="en-US"/>
           </a:p>
         </p:txBody>
       </p:sp>
@@ -2454,6 +2418,7 @@
               <a:rPr lang="zh-CN" altLang="en-US"/>
               <a:t>单击此处编辑母版文本样式</a:t>
             </a:r>
+            <a:endParaRPr lang="zh-CN" altLang="en-US"/>
           </a:p>
           <a:p>
             <a:pPr lvl="1"/>
@@ -2461,6 +2426,7 @@
               <a:rPr lang="zh-CN" altLang="en-US"/>
               <a:t>第二级</a:t>
             </a:r>
+            <a:endParaRPr lang="zh-CN" altLang="en-US"/>
           </a:p>
           <a:p>
             <a:pPr lvl="2"/>
@@ -2468,6 +2434,7 @@
               <a:rPr lang="zh-CN" altLang="en-US"/>
               <a:t>第三级</a:t>
             </a:r>
+            <a:endParaRPr lang="zh-CN" altLang="en-US"/>
           </a:p>
           <a:p>
             <a:pPr lvl="3"/>
@@ -2475,6 +2442,7 @@
               <a:rPr lang="zh-CN" altLang="en-US"/>
               <a:t>第四级</a:t>
             </a:r>
+            <a:endParaRPr lang="zh-CN" altLang="en-US"/>
           </a:p>
           <a:p>
             <a:pPr lvl="4"/>
@@ -2482,6 +2450,7 @@
               <a:rPr lang="zh-CN" altLang="en-US"/>
               <a:t>第五级</a:t>
             </a:r>
+            <a:endParaRPr lang="zh-CN" altLang="en-US"/>
           </a:p>
         </p:txBody>
       </p:sp>
@@ -2561,7 +2530,6 @@
             </a:pPr>
             <a:fld id="{35E90913-EB15-48B2-837B-0903060C6338}" type="slidenum">
               <a:rPr lang="zh-CN" altLang="en-US"/>
-              <a:t>‹#›</a:t>
             </a:fld>
             <a:endParaRPr lang="en-US" altLang="zh-CN"/>
           </a:p>
@@ -2611,6 +2579,7 @@
               <a:rPr lang="zh-CN" altLang="en-US"/>
               <a:t>单击此处编辑母版标题样式</a:t>
             </a:r>
+            <a:endParaRPr lang="zh-CN" altLang="en-US"/>
           </a:p>
         </p:txBody>
       </p:sp>
@@ -2690,7 +2659,6 @@
             </a:pPr>
             <a:fld id="{146589CF-3676-4BA1-8488-1EA1CC742102}" type="slidenum">
               <a:rPr lang="zh-CN" altLang="en-US"/>
-              <a:t>‹#›</a:t>
             </a:fld>
             <a:endParaRPr lang="en-US" altLang="zh-CN"/>
           </a:p>
@@ -2797,7 +2765,6 @@
             </a:pPr>
             <a:fld id="{20BD97B1-E07B-45FF-9582-FFF74F158E89}" type="slidenum">
               <a:rPr lang="zh-CN" altLang="en-US"/>
-              <a:t>‹#›</a:t>
             </a:fld>
             <a:endParaRPr lang="en-US" altLang="zh-CN"/>
           </a:p>
@@ -2856,6 +2823,7 @@
               <a:rPr lang="zh-CN" altLang="en-US"/>
               <a:t>单击此处编辑母版标题样式</a:t>
             </a:r>
+            <a:endParaRPr lang="zh-CN" altLang="en-US"/>
           </a:p>
         </p:txBody>
       </p:sp>
@@ -2912,6 +2880,7 @@
               <a:rPr lang="zh-CN" altLang="en-US"/>
               <a:t>单击此处编辑母版文本样式</a:t>
             </a:r>
+            <a:endParaRPr lang="zh-CN" altLang="en-US"/>
           </a:p>
           <a:p>
             <a:pPr lvl="1"/>
@@ -2919,6 +2888,7 @@
               <a:rPr lang="zh-CN" altLang="en-US"/>
               <a:t>第二级</a:t>
             </a:r>
+            <a:endParaRPr lang="zh-CN" altLang="en-US"/>
           </a:p>
           <a:p>
             <a:pPr lvl="2"/>
@@ -2926,6 +2896,7 @@
               <a:rPr lang="zh-CN" altLang="en-US"/>
               <a:t>第三级</a:t>
             </a:r>
+            <a:endParaRPr lang="zh-CN" altLang="en-US"/>
           </a:p>
           <a:p>
             <a:pPr lvl="3"/>
@@ -2933,6 +2904,7 @@
               <a:rPr lang="zh-CN" altLang="en-US"/>
               <a:t>第四级</a:t>
             </a:r>
+            <a:endParaRPr lang="zh-CN" altLang="en-US"/>
           </a:p>
           <a:p>
             <a:pPr lvl="4"/>
@@ -2940,6 +2912,7 @@
               <a:rPr lang="zh-CN" altLang="en-US"/>
               <a:t>第五级</a:t>
             </a:r>
+            <a:endParaRPr lang="zh-CN" altLang="en-US"/>
           </a:p>
         </p:txBody>
       </p:sp>
@@ -3005,6 +2978,7 @@
               <a:rPr lang="zh-CN" altLang="en-US"/>
               <a:t>单击此处编辑母版文本样式</a:t>
             </a:r>
+            <a:endParaRPr lang="zh-CN" altLang="en-US"/>
           </a:p>
         </p:txBody>
       </p:sp>
@@ -3084,7 +3058,6 @@
             </a:pPr>
             <a:fld id="{C5A9DE45-E946-4B07-8CB7-B1F8CD574E55}" type="slidenum">
               <a:rPr lang="zh-CN" altLang="en-US"/>
-              <a:t>‹#›</a:t>
             </a:fld>
             <a:endParaRPr lang="en-US" altLang="zh-CN"/>
           </a:p>
@@ -3143,6 +3116,7 @@
               <a:rPr lang="zh-CN" altLang="en-US"/>
               <a:t>单击此处编辑母版标题样式</a:t>
             </a:r>
+            <a:endParaRPr lang="zh-CN" altLang="en-US"/>
           </a:p>
         </p:txBody>
       </p:sp>
@@ -3270,6 +3244,7 @@
               <a:rPr lang="zh-CN" altLang="en-US"/>
               <a:t>单击此处编辑母版文本样式</a:t>
             </a:r>
+            <a:endParaRPr lang="zh-CN" altLang="en-US"/>
           </a:p>
         </p:txBody>
       </p:sp>
@@ -3349,7 +3324,6 @@
             </a:pPr>
             <a:fld id="{01DF49D0-A452-4EA2-8CC4-AC7D3927382D}" type="slidenum">
               <a:rPr lang="zh-CN" altLang="en-US"/>
-              <a:t>‹#›</a:t>
             </a:fld>
             <a:endParaRPr lang="en-US" altLang="zh-CN"/>
           </a:p>
@@ -3439,6 +3413,7 @@
               <a:rPr lang="zh-CN" altLang="en-US"/>
               <a:t>单击此处编辑母版标题样式</a:t>
             </a:r>
+            <a:endParaRPr lang="zh-CN" altLang="en-US"/>
           </a:p>
         </p:txBody>
       </p:sp>
@@ -3493,6 +3468,7 @@
               <a:rPr lang="zh-CN" altLang="en-US"/>
               <a:t>单击此处编辑母版文本样式</a:t>
             </a:r>
+            <a:endParaRPr lang="zh-CN" altLang="en-US"/>
           </a:p>
           <a:p>
             <a:pPr lvl="1"/>
@@ -3500,6 +3476,7 @@
               <a:rPr lang="zh-CN" altLang="en-US"/>
               <a:t>第二级</a:t>
             </a:r>
+            <a:endParaRPr lang="zh-CN" altLang="en-US"/>
           </a:p>
           <a:p>
             <a:pPr lvl="2"/>
@@ -3507,6 +3484,7 @@
               <a:rPr lang="zh-CN" altLang="en-US"/>
               <a:t>第三级</a:t>
             </a:r>
+            <a:endParaRPr lang="zh-CN" altLang="en-US"/>
           </a:p>
           <a:p>
             <a:pPr lvl="3"/>
@@ -3514,6 +3492,7 @@
               <a:rPr lang="zh-CN" altLang="en-US"/>
               <a:t>第四级</a:t>
             </a:r>
+            <a:endParaRPr lang="zh-CN" altLang="en-US"/>
           </a:p>
           <a:p>
             <a:pPr lvl="4"/>
@@ -3521,6 +3500,7 @@
               <a:rPr lang="zh-CN" altLang="en-US"/>
               <a:t>第五级</a:t>
             </a:r>
+            <a:endParaRPr lang="zh-CN" altLang="en-US"/>
           </a:p>
         </p:txBody>
       </p:sp>
@@ -3642,7 +3622,6 @@
             </a:pPr>
             <a:fld id="{6FCB37D2-FC5D-426E-B7EC-090801712803}" type="slidenum">
               <a:rPr lang="zh-CN" altLang="en-US"/>
-              <a:t>‹#›</a:t>
             </a:fld>
             <a:endParaRPr lang="en-US" altLang="zh-CN"/>
           </a:p>
@@ -3657,7 +3636,7 @@
           <p:nvPr userDrawn="1"/>
         </p:nvPicPr>
         <p:blipFill>
-          <a:blip r:embed="rId13">
+          <a:blip r:embed="rId12">
             <a:extLst>
               <a:ext uri="{28A0092B-C50C-407E-A947-70E740481C1C}">
                 <a14:useLocalDpi xmlns:a14="http://schemas.microsoft.com/office/drawing/2010/main" val="0"/>
@@ -3847,6 +3826,12 @@
               </a:rPr>
               <a:t>汽车与交通工程学院</a:t>
             </a:r>
+            <a:endParaRPr lang="zh-CN" altLang="en-US" sz="2000" b="1" dirty="0">
+              <a:solidFill>
+                <a:schemeClr val="folHlink"/>
+              </a:solidFill>
+              <a:ea typeface="楷体" panose="02010609060101010101" pitchFamily="49" charset="-122"/>
+            </a:endParaRPr>
           </a:p>
         </p:txBody>
       </p:sp>
@@ -4260,14 +4245,97 @@
         <p:cNvGrpSpPr/>
         <p:nvPr/>
       </p:nvGrpSpPr>
-      <p:grpSpPr>
-        <a:xfrm>
-          <a:off x="0" y="0"/>
-          <a:ext cx="0" cy="0"/>
-          <a:chOff x="0" y="0"/>
-          <a:chExt cx="0" cy="0"/>
-        </a:xfrm>
-      </p:grpSpPr>
+      <p:grpSpPr/>
+      <p:sp>
+        <p:nvSpPr>
+          <p:cNvPr id="2" name="标题 1"/>
+          <p:cNvSpPr>
+            <a:spLocks noGrp="1"/>
+          </p:cNvSpPr>
+          <p:nvPr>
+            <p:ph type="ctrTitle"/>
+          </p:nvPr>
+        </p:nvSpPr>
+        <p:spPr/>
+        <p:txBody>
+          <a:bodyPr/>
+          <a:p>
+            <a:endParaRPr lang="zh-CN" altLang="en-US"/>
+          </a:p>
+        </p:txBody>
+      </p:sp>
+      <p:sp>
+        <p:nvSpPr>
+          <p:cNvPr id="3" name="副标题 2"/>
+          <p:cNvSpPr>
+            <a:spLocks noGrp="1"/>
+          </p:cNvSpPr>
+          <p:nvPr>
+            <p:ph type="subTitle" idx="1"/>
+          </p:nvPr>
+        </p:nvSpPr>
+        <p:spPr/>
+        <p:txBody>
+          <a:bodyPr/>
+          <a:p>
+            <a:endParaRPr lang="zh-CN" altLang="en-US"/>
+          </a:p>
+        </p:txBody>
+      </p:sp>
+    </p:spTree>
+  </p:cSld>
+  <p:clrMapOvr>
+    <a:masterClrMapping/>
+  </p:clrMapOvr>
+</p:sld>
+</file>
+
+<file path=ppt/slides/slide2.xml><?xml version="1.0" encoding="utf-8"?>
+<p:sld xmlns:a="http://schemas.openxmlformats.org/drawingml/2006/main" xmlns:r="http://schemas.openxmlformats.org/officeDocument/2006/relationships" xmlns:p="http://schemas.openxmlformats.org/presentationml/2006/main">
+  <p:cSld>
+    <p:spTree>
+      <p:nvGrpSpPr>
+        <p:cNvPr id="1" name=""/>
+        <p:cNvGrpSpPr/>
+        <p:nvPr/>
+      </p:nvGrpSpPr>
+      <p:grpSpPr/>
+      <p:sp>
+        <p:nvSpPr>
+          <p:cNvPr id="2" name="标题 1"/>
+          <p:cNvSpPr>
+            <a:spLocks noGrp="1"/>
+          </p:cNvSpPr>
+          <p:nvPr>
+            <p:ph type="title"/>
+          </p:nvPr>
+        </p:nvSpPr>
+        <p:spPr/>
+        <p:txBody>
+          <a:bodyPr/>
+          <a:p>
+            <a:endParaRPr lang="zh-CN" altLang="en-US"/>
+          </a:p>
+        </p:txBody>
+      </p:sp>
+      <p:sp>
+        <p:nvSpPr>
+          <p:cNvPr id="3" name="内容占位符 2"/>
+          <p:cNvSpPr>
+            <a:spLocks noGrp="1"/>
+          </p:cNvSpPr>
+          <p:nvPr>
+            <p:ph idx="1"/>
+          </p:nvPr>
+        </p:nvSpPr>
+        <p:spPr/>
+        <p:txBody>
+          <a:bodyPr/>
+          <a:p>
+            <a:endParaRPr lang="zh-CN" altLang="en-US"/>
+          </a:p>
+        </p:txBody>
+      </p:sp>
     </p:spTree>
   </p:cSld>
   <p:clrMapOvr>
@@ -4277,8 +4345,9 @@
 </file>
 
 <file path=ppt/tags/tag1.xml><?xml version="1.0" encoding="utf-8"?>
-<p:tagLst xmlns:a="http://schemas.openxmlformats.org/drawingml/2006/main" xmlns:r="http://schemas.openxmlformats.org/officeDocument/2006/relationships" xmlns:p="http://schemas.openxmlformats.org/presentationml/2006/main">
+<p:tagLst xmlns:p="http://schemas.openxmlformats.org/presentationml/2006/main">
   <p:tag name="COMMONDATA" val="eyJoZGlkIjoiNDJlZWU5ZThlYzQzZjc3NDkxNTE1Zjc0YzMyMjdiYjgifQ=="/>
+  <p:tag name="commondata" val="eyJoZGlkIjoiMTc3Y2Q2N2Y3MTk1ZDc1N2ZkY2E1MWQ4NTAwZTQwMmYifQ=="/>
 </p:tagLst>
 </file>
 
@@ -4502,7 +4571,6 @@
       </a:bgFillStyleLst>
     </a:fmtScheme>
   </a:themeElements>
-  <a:objectDefaults/>
   <a:extraClrSchemeLst>
     <a:extraClrScheme>
       <a:clrScheme name="默认设计模板 1">
@@ -5285,8 +5353,6 @@
       </a:bgFillStyleLst>
     </a:fmtScheme>
   </a:themeElements>
-  <a:objectDefaults/>
-  <a:extraClrSchemeLst/>
   <a:extLst>
     <a:ext uri="{05A4C25C-085E-4340-85A3-A5531E510DB2}">
       <thm15:themeFamily xmlns:thm15="http://schemas.microsoft.com/office/thememl/2012/main" name="Office Theme" id="{62F939B6-93AF-4DB8-9C6B-D6C7DFDC589F}" vid="{4A3C46E8-61CC-4603-A589-7422A47A8E4A}"/>
@@ -5573,8 +5639,6 @@
       </a:bgFillStyleLst>
     </a:fmtScheme>
   </a:themeElements>
-  <a:objectDefaults/>
-  <a:extraClrSchemeLst/>
   <a:extLst>
     <a:ext uri="{05A4C25C-085E-4340-85A3-A5531E510DB2}">
       <thm15:themeFamily xmlns:thm15="http://schemas.microsoft.com/office/thememl/2012/main" name="Office Theme" id="{62F939B6-93AF-4DB8-9C6B-D6C7DFDC589F}" vid="{4A3C46E8-61CC-4603-A589-7422A47A8E4A}"/>
